--- a/Diagrams.pptx
+++ b/Diagrams.pptx
@@ -5,7 +5,8 @@
     <p:sldMasterId id="2147483648" r:id="rId1"/>
   </p:sldMasterIdLst>
   <p:sldIdLst>
-    <p:sldId id="256" r:id="rId2"/>
+    <p:sldId id="257" r:id="rId2"/>
+    <p:sldId id="256" r:id="rId3"/>
   </p:sldIdLst>
   <p:sldSz cx="12192000" cy="6858000"/>
   <p:notesSz cx="6858000" cy="9144000"/>
@@ -104,11 +105,16 @@
       </a:defRPr>
     </a:lvl9pPr>
   </p:defaultTextStyle>
+  <p:extLst>
+    <p:ext uri="{EFAFB233-063F-42B5-8137-9DF3F51BA10A}">
+      <p15:sldGuideLst xmlns:p15="http://schemas.microsoft.com/office/powerpoint/2012/main"/>
+    </p:ext>
+  </p:extLst>
 </p:presentation>
 </file>
 
 <file path=ppt/slideLayouts/slideLayout1.xml><?xml version="1.0" encoding="utf-8"?>
-<p:sldLayout xmlns:a="http://schemas.openxmlformats.org/drawingml/2006/main" xmlns:r="http://schemas.openxmlformats.org/officeDocument/2006/relationships" xmlns:p="http://schemas.openxmlformats.org/presentationml/2006/main" type="title" preserve="1">
+<p:sldLayout xmlns:a="http://schemas.openxmlformats.org/drawingml/2006/main" xmlns:r="http://schemas.openxmlformats.org/officeDocument/2006/relationships" xmlns:p="http://schemas.openxmlformats.org/presentationml/2006/main" showMasterSp="0" type="title" preserve="1">
   <p:cSld name="Title Slide">
     <p:spTree>
       <p:nvGrpSpPr>
@@ -254,7 +260,7 @@
           <a:p>
             <a:fld id="{AB4CBD74-6DC8-4D8E-8A3E-BB0E3CED6D7A}" type="datetimeFigureOut">
               <a:rPr lang="en-US" smtClean="0"/>
-              <a:t>7/13/2020</a:t>
+              <a:t>7/16/2020</a:t>
             </a:fld>
             <a:endParaRPr lang="en-US"/>
           </a:p>
@@ -328,7 +334,7 @@
 </file>
 
 <file path=ppt/slideLayouts/slideLayout10.xml><?xml version="1.0" encoding="utf-8"?>
-<p:sldLayout xmlns:a="http://schemas.openxmlformats.org/drawingml/2006/main" xmlns:r="http://schemas.openxmlformats.org/officeDocument/2006/relationships" xmlns:p="http://schemas.openxmlformats.org/presentationml/2006/main" type="vertTx" preserve="1">
+<p:sldLayout xmlns:a="http://schemas.openxmlformats.org/drawingml/2006/main" xmlns:r="http://schemas.openxmlformats.org/officeDocument/2006/relationships" xmlns:p="http://schemas.openxmlformats.org/presentationml/2006/main" showMasterSp="0" type="vertTx" preserve="1">
   <p:cSld name="Title and Vertical Text">
     <p:spTree>
       <p:nvGrpSpPr>
@@ -452,7 +458,7 @@
           <a:p>
             <a:fld id="{AB4CBD74-6DC8-4D8E-8A3E-BB0E3CED6D7A}" type="datetimeFigureOut">
               <a:rPr lang="en-US" smtClean="0"/>
-              <a:t>7/13/2020</a:t>
+              <a:t>7/16/2020</a:t>
             </a:fld>
             <a:endParaRPr lang="en-US"/>
           </a:p>
@@ -526,7 +532,7 @@
 </file>
 
 <file path=ppt/slideLayouts/slideLayout11.xml><?xml version="1.0" encoding="utf-8"?>
-<p:sldLayout xmlns:a="http://schemas.openxmlformats.org/drawingml/2006/main" xmlns:r="http://schemas.openxmlformats.org/officeDocument/2006/relationships" xmlns:p="http://schemas.openxmlformats.org/presentationml/2006/main" type="vertTitleAndTx" preserve="1">
+<p:sldLayout xmlns:a="http://schemas.openxmlformats.org/drawingml/2006/main" xmlns:r="http://schemas.openxmlformats.org/officeDocument/2006/relationships" xmlns:p="http://schemas.openxmlformats.org/presentationml/2006/main" showMasterSp="0" type="vertTitleAndTx" preserve="1">
   <p:cSld name="Vertical Title and Text">
     <p:spTree>
       <p:nvGrpSpPr>
@@ -660,7 +666,7 @@
           <a:p>
             <a:fld id="{AB4CBD74-6DC8-4D8E-8A3E-BB0E3CED6D7A}" type="datetimeFigureOut">
               <a:rPr lang="en-US" smtClean="0"/>
-              <a:t>7/13/2020</a:t>
+              <a:t>7/16/2020</a:t>
             </a:fld>
             <a:endParaRPr lang="en-US"/>
           </a:p>
@@ -734,7 +740,7 @@
 </file>
 
 <file path=ppt/slideLayouts/slideLayout2.xml><?xml version="1.0" encoding="utf-8"?>
-<p:sldLayout xmlns:a="http://schemas.openxmlformats.org/drawingml/2006/main" xmlns:r="http://schemas.openxmlformats.org/officeDocument/2006/relationships" xmlns:p="http://schemas.openxmlformats.org/presentationml/2006/main" type="obj" preserve="1">
+<p:sldLayout xmlns:a="http://schemas.openxmlformats.org/drawingml/2006/main" xmlns:r="http://schemas.openxmlformats.org/officeDocument/2006/relationships" xmlns:p="http://schemas.openxmlformats.org/presentationml/2006/main" showMasterSp="0" type="obj" preserve="1">
   <p:cSld name="Title and Content">
     <p:spTree>
       <p:nvGrpSpPr>
@@ -858,7 +864,7 @@
           <a:p>
             <a:fld id="{AB4CBD74-6DC8-4D8E-8A3E-BB0E3CED6D7A}" type="datetimeFigureOut">
               <a:rPr lang="en-US" smtClean="0"/>
-              <a:t>7/13/2020</a:t>
+              <a:t>7/16/2020</a:t>
             </a:fld>
             <a:endParaRPr lang="en-US"/>
           </a:p>
@@ -932,7 +938,7 @@
 </file>
 
 <file path=ppt/slideLayouts/slideLayout3.xml><?xml version="1.0" encoding="utf-8"?>
-<p:sldLayout xmlns:a="http://schemas.openxmlformats.org/drawingml/2006/main" xmlns:r="http://schemas.openxmlformats.org/officeDocument/2006/relationships" xmlns:p="http://schemas.openxmlformats.org/presentationml/2006/main" type="secHead" preserve="1">
+<p:sldLayout xmlns:a="http://schemas.openxmlformats.org/drawingml/2006/main" xmlns:r="http://schemas.openxmlformats.org/officeDocument/2006/relationships" xmlns:p="http://schemas.openxmlformats.org/presentationml/2006/main" showMasterSp="0" type="secHead" preserve="1">
   <p:cSld name="Section Header">
     <p:spTree>
       <p:nvGrpSpPr>
@@ -1133,7 +1139,7 @@
           <a:p>
             <a:fld id="{AB4CBD74-6DC8-4D8E-8A3E-BB0E3CED6D7A}" type="datetimeFigureOut">
               <a:rPr lang="en-US" smtClean="0"/>
-              <a:t>7/13/2020</a:t>
+              <a:t>7/16/2020</a:t>
             </a:fld>
             <a:endParaRPr lang="en-US"/>
           </a:p>
@@ -1207,7 +1213,7 @@
 </file>
 
 <file path=ppt/slideLayouts/slideLayout4.xml><?xml version="1.0" encoding="utf-8"?>
-<p:sldLayout xmlns:a="http://schemas.openxmlformats.org/drawingml/2006/main" xmlns:r="http://schemas.openxmlformats.org/officeDocument/2006/relationships" xmlns:p="http://schemas.openxmlformats.org/presentationml/2006/main" type="twoObj" preserve="1">
+<p:sldLayout xmlns:a="http://schemas.openxmlformats.org/drawingml/2006/main" xmlns:r="http://schemas.openxmlformats.org/officeDocument/2006/relationships" xmlns:p="http://schemas.openxmlformats.org/presentationml/2006/main" showMasterSp="0" type="twoObj" preserve="1">
   <p:cSld name="Two Content">
     <p:spTree>
       <p:nvGrpSpPr>
@@ -1398,7 +1404,7 @@
           <a:p>
             <a:fld id="{AB4CBD74-6DC8-4D8E-8A3E-BB0E3CED6D7A}" type="datetimeFigureOut">
               <a:rPr lang="en-US" smtClean="0"/>
-              <a:t>7/13/2020</a:t>
+              <a:t>7/16/2020</a:t>
             </a:fld>
             <a:endParaRPr lang="en-US"/>
           </a:p>
@@ -1472,7 +1478,7 @@
 </file>
 
 <file path=ppt/slideLayouts/slideLayout5.xml><?xml version="1.0" encoding="utf-8"?>
-<p:sldLayout xmlns:a="http://schemas.openxmlformats.org/drawingml/2006/main" xmlns:r="http://schemas.openxmlformats.org/officeDocument/2006/relationships" xmlns:p="http://schemas.openxmlformats.org/presentationml/2006/main" type="twoTxTwoObj" preserve="1">
+<p:sldLayout xmlns:a="http://schemas.openxmlformats.org/drawingml/2006/main" xmlns:r="http://schemas.openxmlformats.org/officeDocument/2006/relationships" xmlns:p="http://schemas.openxmlformats.org/presentationml/2006/main" showMasterSp="0" type="twoTxTwoObj" preserve="1">
   <p:cSld name="Comparison">
     <p:spTree>
       <p:nvGrpSpPr>
@@ -1810,7 +1816,7 @@
           <a:p>
             <a:fld id="{AB4CBD74-6DC8-4D8E-8A3E-BB0E3CED6D7A}" type="datetimeFigureOut">
               <a:rPr lang="en-US" smtClean="0"/>
-              <a:t>7/13/2020</a:t>
+              <a:t>7/16/2020</a:t>
             </a:fld>
             <a:endParaRPr lang="en-US"/>
           </a:p>
@@ -1884,7 +1890,7 @@
 </file>
 
 <file path=ppt/slideLayouts/slideLayout6.xml><?xml version="1.0" encoding="utf-8"?>
-<p:sldLayout xmlns:a="http://schemas.openxmlformats.org/drawingml/2006/main" xmlns:r="http://schemas.openxmlformats.org/officeDocument/2006/relationships" xmlns:p="http://schemas.openxmlformats.org/presentationml/2006/main" type="titleOnly" preserve="1">
+<p:sldLayout xmlns:a="http://schemas.openxmlformats.org/drawingml/2006/main" xmlns:r="http://schemas.openxmlformats.org/officeDocument/2006/relationships" xmlns:p="http://schemas.openxmlformats.org/presentationml/2006/main" showMasterSp="0" type="titleOnly" preserve="1">
   <p:cSld name="Title Only">
     <p:spTree>
       <p:nvGrpSpPr>
@@ -1951,7 +1957,7 @@
           <a:p>
             <a:fld id="{AB4CBD74-6DC8-4D8E-8A3E-BB0E3CED6D7A}" type="datetimeFigureOut">
               <a:rPr lang="en-US" smtClean="0"/>
-              <a:t>7/13/2020</a:t>
+              <a:t>7/16/2020</a:t>
             </a:fld>
             <a:endParaRPr lang="en-US"/>
           </a:p>
@@ -2025,7 +2031,7 @@
 </file>
 
 <file path=ppt/slideLayouts/slideLayout7.xml><?xml version="1.0" encoding="utf-8"?>
-<p:sldLayout xmlns:a="http://schemas.openxmlformats.org/drawingml/2006/main" xmlns:r="http://schemas.openxmlformats.org/officeDocument/2006/relationships" xmlns:p="http://schemas.openxmlformats.org/presentationml/2006/main" type="blank" preserve="1">
+<p:sldLayout xmlns:a="http://schemas.openxmlformats.org/drawingml/2006/main" xmlns:r="http://schemas.openxmlformats.org/officeDocument/2006/relationships" xmlns:p="http://schemas.openxmlformats.org/presentationml/2006/main" showMasterSp="0" type="blank" preserve="1">
   <p:cSld name="Blank">
     <p:spTree>
       <p:nvGrpSpPr>
@@ -2064,7 +2070,7 @@
           <a:p>
             <a:fld id="{AB4CBD74-6DC8-4D8E-8A3E-BB0E3CED6D7A}" type="datetimeFigureOut">
               <a:rPr lang="en-US" smtClean="0"/>
-              <a:t>7/13/2020</a:t>
+              <a:t>7/16/2020</a:t>
             </a:fld>
             <a:endParaRPr lang="en-US"/>
           </a:p>
@@ -2138,7 +2144,7 @@
 </file>
 
 <file path=ppt/slideLayouts/slideLayout8.xml><?xml version="1.0" encoding="utf-8"?>
-<p:sldLayout xmlns:a="http://schemas.openxmlformats.org/drawingml/2006/main" xmlns:r="http://schemas.openxmlformats.org/officeDocument/2006/relationships" xmlns:p="http://schemas.openxmlformats.org/presentationml/2006/main" type="objTx" preserve="1">
+<p:sldLayout xmlns:a="http://schemas.openxmlformats.org/drawingml/2006/main" xmlns:r="http://schemas.openxmlformats.org/officeDocument/2006/relationships" xmlns:p="http://schemas.openxmlformats.org/presentationml/2006/main" showMasterSp="0" type="objTx" preserve="1">
   <p:cSld name="Content with Caption">
     <p:spTree>
       <p:nvGrpSpPr>
@@ -2375,7 +2381,7 @@
           <a:p>
             <a:fld id="{AB4CBD74-6DC8-4D8E-8A3E-BB0E3CED6D7A}" type="datetimeFigureOut">
               <a:rPr lang="en-US" smtClean="0"/>
-              <a:t>7/13/2020</a:t>
+              <a:t>7/16/2020</a:t>
             </a:fld>
             <a:endParaRPr lang="en-US"/>
           </a:p>
@@ -2449,7 +2455,7 @@
 </file>
 
 <file path=ppt/slideLayouts/slideLayout9.xml><?xml version="1.0" encoding="utf-8"?>
-<p:sldLayout xmlns:a="http://schemas.openxmlformats.org/drawingml/2006/main" xmlns:r="http://schemas.openxmlformats.org/officeDocument/2006/relationships" xmlns:p="http://schemas.openxmlformats.org/presentationml/2006/main" type="picTx" preserve="1">
+<p:sldLayout xmlns:a="http://schemas.openxmlformats.org/drawingml/2006/main" xmlns:r="http://schemas.openxmlformats.org/officeDocument/2006/relationships" xmlns:p="http://schemas.openxmlformats.org/presentationml/2006/main" showMasterSp="0" type="picTx" preserve="1">
   <p:cSld name="Picture with Caption">
     <p:spTree>
       <p:nvGrpSpPr>
@@ -2663,7 +2669,7 @@
           <a:p>
             <a:fld id="{AB4CBD74-6DC8-4D8E-8A3E-BB0E3CED6D7A}" type="datetimeFigureOut">
               <a:rPr lang="en-US" smtClean="0"/>
-              <a:t>7/13/2020</a:t>
+              <a:t>7/16/2020</a:t>
             </a:fld>
             <a:endParaRPr lang="en-US"/>
           </a:p>
@@ -2740,9 +2746,14 @@
 <p:sldMaster xmlns:a="http://schemas.openxmlformats.org/drawingml/2006/main" xmlns:r="http://schemas.openxmlformats.org/officeDocument/2006/relationships" xmlns:p="http://schemas.openxmlformats.org/presentationml/2006/main">
   <p:cSld>
     <p:bg>
-      <p:bgRef idx="1001">
-        <a:schemeClr val="bg1"/>
-      </p:bgRef>
+      <p:bgPr>
+        <a:solidFill>
+          <a:schemeClr val="bg1">
+            <a:alpha val="0"/>
+          </a:schemeClr>
+        </a:solidFill>
+        <a:effectLst/>
+      </p:bgPr>
     </p:bg>
     <p:spTree>
       <p:nvGrpSpPr>
@@ -2904,7 +2915,7 @@
           <a:p>
             <a:fld id="{AB4CBD74-6DC8-4D8E-8A3E-BB0E3CED6D7A}" type="datetimeFigureOut">
               <a:rPr lang="en-US" smtClean="0"/>
-              <a:t>7/13/2020</a:t>
+              <a:t>7/16/2020</a:t>
             </a:fld>
             <a:endParaRPr lang="en-US"/>
           </a:p>
@@ -3305,7 +3316,1095 @@
 </file>
 
 <file path=ppt/slides/slide1.xml><?xml version="1.0" encoding="utf-8"?>
-<p:sld xmlns:a="http://schemas.openxmlformats.org/drawingml/2006/main" xmlns:r="http://schemas.openxmlformats.org/officeDocument/2006/relationships" xmlns:p="http://schemas.openxmlformats.org/presentationml/2006/main">
+<p:sld xmlns:a="http://schemas.openxmlformats.org/drawingml/2006/main" xmlns:r="http://schemas.openxmlformats.org/officeDocument/2006/relationships" xmlns:p="http://schemas.openxmlformats.org/presentationml/2006/main" showMasterSp="0">
+  <p:cSld>
+    <p:spTree>
+      <p:nvGrpSpPr>
+        <p:cNvPr id="1" name=""/>
+        <p:cNvGrpSpPr/>
+        <p:nvPr/>
+      </p:nvGrpSpPr>
+      <p:grpSpPr>
+        <a:xfrm>
+          <a:off x="0" y="0"/>
+          <a:ext cx="0" cy="0"/>
+          <a:chOff x="0" y="0"/>
+          <a:chExt cx="0" cy="0"/>
+        </a:xfrm>
+      </p:grpSpPr>
+      <p:sp>
+        <p:nvSpPr>
+          <p:cNvPr id="4" name="Rectangle 3">
+            <a:extLst>
+              <a:ext uri="{FF2B5EF4-FFF2-40B4-BE49-F238E27FC236}">
+                <a16:creationId xmlns:a16="http://schemas.microsoft.com/office/drawing/2014/main" id="{81B60DBC-4143-4910-A2A9-0BB8B7EA905E}"/>
+              </a:ext>
+            </a:extLst>
+          </p:cNvPr>
+          <p:cNvSpPr/>
+          <p:nvPr/>
+        </p:nvSpPr>
+        <p:spPr>
+          <a:xfrm>
+            <a:off x="4094326" y="279144"/>
+            <a:ext cx="2103967" cy="1066800"/>
+          </a:xfrm>
+          <a:prstGeom prst="rect">
+            <a:avLst/>
+          </a:prstGeom>
+        </p:spPr>
+        <p:style>
+          <a:lnRef idx="3">
+            <a:schemeClr val="lt1"/>
+          </a:lnRef>
+          <a:fillRef idx="1">
+            <a:schemeClr val="accent5"/>
+          </a:fillRef>
+          <a:effectRef idx="1">
+            <a:schemeClr val="accent5"/>
+          </a:effectRef>
+          <a:fontRef idx="minor">
+            <a:schemeClr val="lt1"/>
+          </a:fontRef>
+        </p:style>
+        <p:txBody>
+          <a:bodyPr rtlCol="0" anchor="ctr"/>
+          <a:lstStyle/>
+          <a:p>
+            <a:pPr algn="ctr"/>
+            <a:r>
+              <a:rPr lang="en-US" dirty="0" err="1"/>
+              <a:t>IConfiguration</a:t>
+            </a:r>
+            <a:endParaRPr lang="en-US" dirty="0"/>
+          </a:p>
+        </p:txBody>
+      </p:sp>
+      <p:sp>
+        <p:nvSpPr>
+          <p:cNvPr id="7" name="Flowchart: Magnetic Disk 6">
+            <a:extLst>
+              <a:ext uri="{FF2B5EF4-FFF2-40B4-BE49-F238E27FC236}">
+                <a16:creationId xmlns:a16="http://schemas.microsoft.com/office/drawing/2014/main" id="{77E64E4B-6DB3-4F42-B792-32FBEF002791}"/>
+              </a:ext>
+            </a:extLst>
+          </p:cNvPr>
+          <p:cNvSpPr/>
+          <p:nvPr/>
+        </p:nvSpPr>
+        <p:spPr>
+          <a:xfrm>
+            <a:off x="990600" y="2015071"/>
+            <a:ext cx="1752600" cy="1066800"/>
+          </a:xfrm>
+          <a:prstGeom prst="flowChartMagneticDisk">
+            <a:avLst/>
+          </a:prstGeom>
+        </p:spPr>
+        <p:style>
+          <a:lnRef idx="0">
+            <a:schemeClr val="accent6"/>
+          </a:lnRef>
+          <a:fillRef idx="3">
+            <a:schemeClr val="accent6"/>
+          </a:fillRef>
+          <a:effectRef idx="3">
+            <a:schemeClr val="accent6"/>
+          </a:effectRef>
+          <a:fontRef idx="minor">
+            <a:schemeClr val="lt1"/>
+          </a:fontRef>
+        </p:style>
+        <p:txBody>
+          <a:bodyPr rtlCol="0" anchor="ctr"/>
+          <a:lstStyle/>
+          <a:p>
+            <a:pPr algn="ctr"/>
+            <a:r>
+              <a:rPr lang="en-US" dirty="0"/>
+              <a:t>Azure App Configuration</a:t>
+            </a:r>
+          </a:p>
+        </p:txBody>
+      </p:sp>
+      <p:sp>
+        <p:nvSpPr>
+          <p:cNvPr id="9" name="Flowchart: Magnetic Disk 8">
+            <a:extLst>
+              <a:ext uri="{FF2B5EF4-FFF2-40B4-BE49-F238E27FC236}">
+                <a16:creationId xmlns:a16="http://schemas.microsoft.com/office/drawing/2014/main" id="{4FA10795-B3B5-402A-BA2A-E45587798C32}"/>
+              </a:ext>
+            </a:extLst>
+          </p:cNvPr>
+          <p:cNvSpPr/>
+          <p:nvPr/>
+        </p:nvSpPr>
+        <p:spPr>
+          <a:xfrm>
+            <a:off x="990600" y="3191935"/>
+            <a:ext cx="1752600" cy="1066800"/>
+          </a:xfrm>
+          <a:prstGeom prst="flowChartMagneticDisk">
+            <a:avLst/>
+          </a:prstGeom>
+        </p:spPr>
+        <p:style>
+          <a:lnRef idx="0">
+            <a:schemeClr val="accent6"/>
+          </a:lnRef>
+          <a:fillRef idx="3">
+            <a:schemeClr val="accent6"/>
+          </a:fillRef>
+          <a:effectRef idx="3">
+            <a:schemeClr val="accent6"/>
+          </a:effectRef>
+          <a:fontRef idx="minor">
+            <a:schemeClr val="lt1"/>
+          </a:fontRef>
+        </p:style>
+        <p:txBody>
+          <a:bodyPr rtlCol="0" anchor="ctr"/>
+          <a:lstStyle/>
+          <a:p>
+            <a:pPr algn="ctr"/>
+            <a:r>
+              <a:rPr lang="en-US" dirty="0" err="1"/>
+              <a:t>appsettings.json</a:t>
+            </a:r>
+            <a:endParaRPr lang="en-US" dirty="0"/>
+          </a:p>
+        </p:txBody>
+      </p:sp>
+      <p:sp>
+        <p:nvSpPr>
+          <p:cNvPr id="11" name="Flowchart: Magnetic Disk 10">
+            <a:extLst>
+              <a:ext uri="{FF2B5EF4-FFF2-40B4-BE49-F238E27FC236}">
+                <a16:creationId xmlns:a16="http://schemas.microsoft.com/office/drawing/2014/main" id="{7E1AEB46-96D1-4756-8A31-3FDFCEBC27E9}"/>
+              </a:ext>
+            </a:extLst>
+          </p:cNvPr>
+          <p:cNvSpPr/>
+          <p:nvPr/>
+        </p:nvSpPr>
+        <p:spPr>
+          <a:xfrm>
+            <a:off x="990600" y="4368799"/>
+            <a:ext cx="1752600" cy="1066800"/>
+          </a:xfrm>
+          <a:prstGeom prst="flowChartMagneticDisk">
+            <a:avLst/>
+          </a:prstGeom>
+        </p:spPr>
+        <p:style>
+          <a:lnRef idx="2">
+            <a:schemeClr val="accent2">
+              <a:shade val="50000"/>
+            </a:schemeClr>
+          </a:lnRef>
+          <a:fillRef idx="1">
+            <a:schemeClr val="accent2"/>
+          </a:fillRef>
+          <a:effectRef idx="0">
+            <a:schemeClr val="accent2"/>
+          </a:effectRef>
+          <a:fontRef idx="minor">
+            <a:schemeClr val="lt1"/>
+          </a:fontRef>
+        </p:style>
+        <p:txBody>
+          <a:bodyPr rtlCol="0" anchor="ctr"/>
+          <a:lstStyle/>
+          <a:p>
+            <a:pPr algn="ctr"/>
+            <a:r>
+              <a:rPr lang="en-US" dirty="0"/>
+              <a:t>Environment Variables</a:t>
+            </a:r>
+          </a:p>
+        </p:txBody>
+      </p:sp>
+      <p:sp>
+        <p:nvSpPr>
+          <p:cNvPr id="13" name="Rectangle 12">
+            <a:extLst>
+              <a:ext uri="{FF2B5EF4-FFF2-40B4-BE49-F238E27FC236}">
+                <a16:creationId xmlns:a16="http://schemas.microsoft.com/office/drawing/2014/main" id="{A1C2E709-93F3-474E-975B-891D19FA6D11}"/>
+              </a:ext>
+            </a:extLst>
+          </p:cNvPr>
+          <p:cNvSpPr/>
+          <p:nvPr/>
+        </p:nvSpPr>
+        <p:spPr>
+          <a:xfrm>
+            <a:off x="8856829" y="5414434"/>
+            <a:ext cx="2712270" cy="1055049"/>
+          </a:xfrm>
+          <a:prstGeom prst="rect">
+            <a:avLst/>
+          </a:prstGeom>
+          <a:solidFill>
+            <a:schemeClr val="accent2"/>
+          </a:solidFill>
+          <a:ln>
+            <a:noFill/>
+          </a:ln>
+        </p:spPr>
+        <p:style>
+          <a:lnRef idx="0">
+            <a:scrgbClr r="0" g="0" b="0"/>
+          </a:lnRef>
+          <a:fillRef idx="0">
+            <a:scrgbClr r="0" g="0" b="0"/>
+          </a:fillRef>
+          <a:effectRef idx="0">
+            <a:scrgbClr r="0" g="0" b="0"/>
+          </a:effectRef>
+          <a:fontRef idx="minor">
+            <a:schemeClr val="lt1"/>
+          </a:fontRef>
+        </p:style>
+        <p:txBody>
+          <a:bodyPr rtlCol="0" anchor="ctr"/>
+          <a:lstStyle/>
+          <a:p>
+            <a:pPr algn="ctr"/>
+            <a:r>
+              <a:rPr lang="en-US" sz="2000" b="1" dirty="0" err="1"/>
+              <a:t>IOptions</a:t>
+            </a:r>
+            <a:endParaRPr lang="en-US" sz="1600" dirty="0"/>
+          </a:p>
+          <a:p>
+            <a:pPr algn="ctr"/>
+            <a:endParaRPr lang="en-US" sz="1200" dirty="0"/>
+          </a:p>
+          <a:p>
+            <a:pPr algn="ctr"/>
+            <a:r>
+              <a:rPr lang="en-US" sz="1200" dirty="0" err="1"/>
+              <a:t>IOptions</a:t>
+            </a:r>
+            <a:r>
+              <a:rPr lang="en-US" sz="1200" dirty="0"/>
+              <a:t>&lt;</a:t>
+            </a:r>
+            <a:r>
+              <a:rPr lang="en-US" sz="1200" dirty="0" err="1"/>
+              <a:t>AppOptions</a:t>
+            </a:r>
+            <a:r>
+              <a:rPr lang="en-US" sz="1200" dirty="0"/>
+              <a:t>&gt;().Value</a:t>
+            </a:r>
+          </a:p>
+        </p:txBody>
+      </p:sp>
+      <p:sp>
+        <p:nvSpPr>
+          <p:cNvPr id="17" name="Flowchart: Magnetic Disk 16">
+            <a:extLst>
+              <a:ext uri="{FF2B5EF4-FFF2-40B4-BE49-F238E27FC236}">
+                <a16:creationId xmlns:a16="http://schemas.microsoft.com/office/drawing/2014/main" id="{7A94D719-1A2F-4AC8-AE38-F71787ABEC2E}"/>
+              </a:ext>
+            </a:extLst>
+          </p:cNvPr>
+          <p:cNvSpPr/>
+          <p:nvPr/>
+        </p:nvSpPr>
+        <p:spPr>
+          <a:xfrm>
+            <a:off x="990600" y="5469467"/>
+            <a:ext cx="1752600" cy="1066800"/>
+          </a:xfrm>
+          <a:prstGeom prst="flowChartMagneticDisk">
+            <a:avLst/>
+          </a:prstGeom>
+        </p:spPr>
+        <p:style>
+          <a:lnRef idx="2">
+            <a:schemeClr val="accent2">
+              <a:shade val="50000"/>
+            </a:schemeClr>
+          </a:lnRef>
+          <a:fillRef idx="1">
+            <a:schemeClr val="accent2"/>
+          </a:fillRef>
+          <a:effectRef idx="0">
+            <a:schemeClr val="accent2"/>
+          </a:effectRef>
+          <a:fontRef idx="minor">
+            <a:schemeClr val="lt1"/>
+          </a:fontRef>
+        </p:style>
+        <p:txBody>
+          <a:bodyPr rtlCol="0" anchor="ctr"/>
+          <a:lstStyle/>
+          <a:p>
+            <a:pPr algn="ctr"/>
+            <a:r>
+              <a:rPr lang="en-US" dirty="0" err="1"/>
+              <a:t>Web.Config</a:t>
+            </a:r>
+            <a:endParaRPr lang="en-US" dirty="0"/>
+          </a:p>
+        </p:txBody>
+      </p:sp>
+      <p:sp>
+        <p:nvSpPr>
+          <p:cNvPr id="20" name="Right Brace 19">
+            <a:extLst>
+              <a:ext uri="{FF2B5EF4-FFF2-40B4-BE49-F238E27FC236}">
+                <a16:creationId xmlns:a16="http://schemas.microsoft.com/office/drawing/2014/main" id="{42FDF290-D1B6-4F21-AC6F-21EDC2844628}"/>
+              </a:ext>
+            </a:extLst>
+          </p:cNvPr>
+          <p:cNvSpPr/>
+          <p:nvPr/>
+        </p:nvSpPr>
+        <p:spPr>
+          <a:xfrm>
+            <a:off x="3073400" y="4368800"/>
+            <a:ext cx="643465" cy="2091268"/>
+          </a:xfrm>
+          <a:prstGeom prst="rightBrace">
+            <a:avLst>
+              <a:gd name="adj1" fmla="val 107017"/>
+              <a:gd name="adj2" fmla="val 50000"/>
+            </a:avLst>
+          </a:prstGeom>
+          <a:ln w="15875">
+            <a:solidFill>
+              <a:schemeClr val="bg2">
+                <a:lumMod val="10000"/>
+              </a:schemeClr>
+            </a:solidFill>
+          </a:ln>
+        </p:spPr>
+        <p:style>
+          <a:lnRef idx="1">
+            <a:schemeClr val="accent1"/>
+          </a:lnRef>
+          <a:fillRef idx="0">
+            <a:schemeClr val="accent1"/>
+          </a:fillRef>
+          <a:effectRef idx="0">
+            <a:schemeClr val="accent1"/>
+          </a:effectRef>
+          <a:fontRef idx="minor">
+            <a:schemeClr val="tx1"/>
+          </a:fontRef>
+        </p:style>
+        <p:txBody>
+          <a:bodyPr rtlCol="0" anchor="ctr"/>
+          <a:lstStyle/>
+          <a:p>
+            <a:pPr algn="ctr"/>
+            <a:endParaRPr lang="en-US" dirty="0"/>
+          </a:p>
+        </p:txBody>
+      </p:sp>
+      <p:sp>
+        <p:nvSpPr>
+          <p:cNvPr id="22" name="Rectangle 21">
+            <a:extLst>
+              <a:ext uri="{FF2B5EF4-FFF2-40B4-BE49-F238E27FC236}">
+                <a16:creationId xmlns:a16="http://schemas.microsoft.com/office/drawing/2014/main" id="{B8EE8DCD-DE53-404F-89B1-E1D691334A37}"/>
+              </a:ext>
+            </a:extLst>
+          </p:cNvPr>
+          <p:cNvSpPr/>
+          <p:nvPr/>
+        </p:nvSpPr>
+        <p:spPr>
+          <a:xfrm>
+            <a:off x="8873758" y="4147718"/>
+            <a:ext cx="2712270" cy="1055049"/>
+          </a:xfrm>
+          <a:prstGeom prst="rect">
+            <a:avLst/>
+          </a:prstGeom>
+        </p:spPr>
+        <p:style>
+          <a:lnRef idx="0">
+            <a:schemeClr val="accent6"/>
+          </a:lnRef>
+          <a:fillRef idx="3">
+            <a:schemeClr val="accent6"/>
+          </a:fillRef>
+          <a:effectRef idx="3">
+            <a:schemeClr val="accent6"/>
+          </a:effectRef>
+          <a:fontRef idx="minor">
+            <a:schemeClr val="lt1"/>
+          </a:fontRef>
+        </p:style>
+        <p:txBody>
+          <a:bodyPr rtlCol="0" anchor="ctr"/>
+          <a:lstStyle/>
+          <a:p>
+            <a:pPr algn="ctr"/>
+            <a:r>
+              <a:rPr lang="en-US" b="1" dirty="0" err="1"/>
+              <a:t>IOptionsMonitor</a:t>
+            </a:r>
+            <a:endParaRPr lang="en-US" dirty="0"/>
+          </a:p>
+          <a:p>
+            <a:pPr algn="ctr"/>
+            <a:endParaRPr lang="en-US" sz="1050" dirty="0"/>
+          </a:p>
+          <a:p>
+            <a:pPr algn="ctr"/>
+            <a:r>
+              <a:rPr lang="en-US" sz="1050" dirty="0" err="1"/>
+              <a:t>IOptionsMonitor</a:t>
+            </a:r>
+            <a:r>
+              <a:rPr lang="en-US" sz="1050" dirty="0"/>
+              <a:t>&lt;</a:t>
+            </a:r>
+            <a:r>
+              <a:rPr lang="en-US" sz="1050" dirty="0" err="1"/>
+              <a:t>AppOptions</a:t>
+            </a:r>
+            <a:r>
+              <a:rPr lang="en-US" sz="1050" dirty="0"/>
+              <a:t>&gt;().</a:t>
+            </a:r>
+            <a:r>
+              <a:rPr lang="en-US" sz="1050" dirty="0" err="1"/>
+              <a:t>CurrentValue</a:t>
+            </a:r>
+            <a:endParaRPr lang="en-US" sz="1050" dirty="0"/>
+          </a:p>
+        </p:txBody>
+      </p:sp>
+      <p:sp>
+        <p:nvSpPr>
+          <p:cNvPr id="24" name="Rectangle 23">
+            <a:extLst>
+              <a:ext uri="{FF2B5EF4-FFF2-40B4-BE49-F238E27FC236}">
+                <a16:creationId xmlns:a16="http://schemas.microsoft.com/office/drawing/2014/main" id="{19662E21-24BC-4E97-AC8E-D112600F4282}"/>
+              </a:ext>
+            </a:extLst>
+          </p:cNvPr>
+          <p:cNvSpPr/>
+          <p:nvPr/>
+        </p:nvSpPr>
+        <p:spPr>
+          <a:xfrm>
+            <a:off x="8873758" y="2892998"/>
+            <a:ext cx="2712270" cy="1055049"/>
+          </a:xfrm>
+          <a:prstGeom prst="rect">
+            <a:avLst/>
+          </a:prstGeom>
+        </p:spPr>
+        <p:style>
+          <a:lnRef idx="0">
+            <a:schemeClr val="accent6"/>
+          </a:lnRef>
+          <a:fillRef idx="3">
+            <a:schemeClr val="accent6"/>
+          </a:fillRef>
+          <a:effectRef idx="3">
+            <a:schemeClr val="accent6"/>
+          </a:effectRef>
+          <a:fontRef idx="minor">
+            <a:schemeClr val="lt1"/>
+          </a:fontRef>
+        </p:style>
+        <p:txBody>
+          <a:bodyPr rtlCol="0" anchor="ctr"/>
+          <a:lstStyle/>
+          <a:p>
+            <a:pPr algn="ctr"/>
+            <a:r>
+              <a:rPr lang="en-US" b="1" dirty="0" err="1"/>
+              <a:t>IOptionsSnapshot</a:t>
+            </a:r>
+            <a:endParaRPr lang="en-US" dirty="0"/>
+          </a:p>
+          <a:p>
+            <a:pPr algn="ctr"/>
+            <a:endParaRPr lang="en-US" sz="1200" dirty="0"/>
+          </a:p>
+          <a:p>
+            <a:pPr algn="ctr"/>
+            <a:r>
+              <a:rPr lang="en-US" sz="1200" dirty="0" err="1"/>
+              <a:t>IOptionsSnapshot</a:t>
+            </a:r>
+            <a:r>
+              <a:rPr lang="en-US" sz="1200" dirty="0"/>
+              <a:t>&lt;</a:t>
+            </a:r>
+            <a:r>
+              <a:rPr lang="en-US" sz="1200" dirty="0" err="1"/>
+              <a:t>AppOptions</a:t>
+            </a:r>
+            <a:r>
+              <a:rPr lang="en-US" sz="1200" dirty="0"/>
+              <a:t>&gt;()</a:t>
+            </a:r>
+          </a:p>
+        </p:txBody>
+      </p:sp>
+      <p:sp>
+        <p:nvSpPr>
+          <p:cNvPr id="26" name="Rectangle 25">
+            <a:extLst>
+              <a:ext uri="{FF2B5EF4-FFF2-40B4-BE49-F238E27FC236}">
+                <a16:creationId xmlns:a16="http://schemas.microsoft.com/office/drawing/2014/main" id="{53DF7B48-0B31-4C75-9F68-B209A1E548A2}"/>
+              </a:ext>
+            </a:extLst>
+          </p:cNvPr>
+          <p:cNvSpPr/>
+          <p:nvPr/>
+        </p:nvSpPr>
+        <p:spPr>
+          <a:xfrm>
+            <a:off x="8873758" y="266098"/>
+            <a:ext cx="2712270" cy="1055049"/>
+          </a:xfrm>
+          <a:prstGeom prst="rect">
+            <a:avLst/>
+          </a:prstGeom>
+          <a:ln/>
+        </p:spPr>
+        <p:style>
+          <a:lnRef idx="0">
+            <a:schemeClr val="accent6"/>
+          </a:lnRef>
+          <a:fillRef idx="3">
+            <a:schemeClr val="accent6"/>
+          </a:fillRef>
+          <a:effectRef idx="3">
+            <a:schemeClr val="accent6"/>
+          </a:effectRef>
+          <a:fontRef idx="minor">
+            <a:schemeClr val="lt1"/>
+          </a:fontRef>
+        </p:style>
+        <p:txBody>
+          <a:bodyPr rtlCol="0" anchor="ctr"/>
+          <a:lstStyle/>
+          <a:p>
+            <a:pPr algn="ctr"/>
+            <a:r>
+              <a:rPr lang="en-US" b="1" dirty="0" err="1"/>
+              <a:t>IFeatureManager</a:t>
+            </a:r>
+            <a:endParaRPr lang="en-US" b="1" dirty="0"/>
+          </a:p>
+          <a:p>
+            <a:pPr algn="ctr"/>
+            <a:endParaRPr lang="en-US" sz="1200" b="1" dirty="0"/>
+          </a:p>
+          <a:p>
+            <a:pPr algn="ctr"/>
+            <a:r>
+              <a:rPr lang="en-US" sz="1200" dirty="0" err="1"/>
+              <a:t>featureManager.IsEnabledAsync</a:t>
+            </a:r>
+            <a:endParaRPr lang="en-US" sz="1200" dirty="0"/>
+          </a:p>
+        </p:txBody>
+      </p:sp>
+      <p:sp>
+        <p:nvSpPr>
+          <p:cNvPr id="3" name="Right Brace 2">
+            <a:extLst>
+              <a:ext uri="{FF2B5EF4-FFF2-40B4-BE49-F238E27FC236}">
+                <a16:creationId xmlns:a16="http://schemas.microsoft.com/office/drawing/2014/main" id="{4E6A4408-A00A-424F-B55D-36D7B4945333}"/>
+              </a:ext>
+            </a:extLst>
+          </p:cNvPr>
+          <p:cNvSpPr/>
+          <p:nvPr/>
+        </p:nvSpPr>
+        <p:spPr>
+          <a:xfrm>
+            <a:off x="3055777" y="2167467"/>
+            <a:ext cx="643465" cy="2091268"/>
+          </a:xfrm>
+          <a:prstGeom prst="rightBrace">
+            <a:avLst>
+              <a:gd name="adj1" fmla="val 107017"/>
+              <a:gd name="adj2" fmla="val 50000"/>
+            </a:avLst>
+          </a:prstGeom>
+          <a:ln w="15875">
+            <a:solidFill>
+              <a:schemeClr val="bg2">
+                <a:lumMod val="10000"/>
+              </a:schemeClr>
+            </a:solidFill>
+          </a:ln>
+        </p:spPr>
+        <p:style>
+          <a:lnRef idx="1">
+            <a:schemeClr val="accent1"/>
+          </a:lnRef>
+          <a:fillRef idx="0">
+            <a:schemeClr val="accent1"/>
+          </a:fillRef>
+          <a:effectRef idx="0">
+            <a:schemeClr val="accent1"/>
+          </a:effectRef>
+          <a:fontRef idx="minor">
+            <a:schemeClr val="tx1"/>
+          </a:fontRef>
+        </p:style>
+        <p:txBody>
+          <a:bodyPr rtlCol="0" anchor="ctr"/>
+          <a:lstStyle/>
+          <a:p>
+            <a:pPr algn="ctr"/>
+            <a:endParaRPr lang="en-US" dirty="0"/>
+          </a:p>
+        </p:txBody>
+      </p:sp>
+      <p:sp>
+        <p:nvSpPr>
+          <p:cNvPr id="5" name="Rectangle 4">
+            <a:extLst>
+              <a:ext uri="{FF2B5EF4-FFF2-40B4-BE49-F238E27FC236}">
+                <a16:creationId xmlns:a16="http://schemas.microsoft.com/office/drawing/2014/main" id="{86127229-1EAC-4972-A105-1B1FF906FEF0}"/>
+              </a:ext>
+            </a:extLst>
+          </p:cNvPr>
+          <p:cNvSpPr/>
+          <p:nvPr/>
+        </p:nvSpPr>
+        <p:spPr>
+          <a:xfrm>
+            <a:off x="8873758" y="1572206"/>
+            <a:ext cx="2712270" cy="1055049"/>
+          </a:xfrm>
+          <a:prstGeom prst="rect">
+            <a:avLst/>
+          </a:prstGeom>
+          <a:ln/>
+        </p:spPr>
+        <p:style>
+          <a:lnRef idx="0">
+            <a:schemeClr val="accent6"/>
+          </a:lnRef>
+          <a:fillRef idx="3">
+            <a:schemeClr val="accent6"/>
+          </a:fillRef>
+          <a:effectRef idx="3">
+            <a:schemeClr val="accent6"/>
+          </a:effectRef>
+          <a:fontRef idx="minor">
+            <a:schemeClr val="lt1"/>
+          </a:fontRef>
+        </p:style>
+        <p:txBody>
+          <a:bodyPr rtlCol="0" anchor="ctr"/>
+          <a:lstStyle/>
+          <a:p>
+            <a:pPr algn="ctr"/>
+            <a:r>
+              <a:rPr lang="en-US" b="1" dirty="0" err="1"/>
+              <a:t>IFeatureManagerSnapshot</a:t>
+            </a:r>
+            <a:endParaRPr lang="en-US" b="1" dirty="0"/>
+          </a:p>
+          <a:p>
+            <a:pPr algn="ctr"/>
+            <a:endParaRPr lang="en-US" sz="1200" b="1" dirty="0"/>
+          </a:p>
+          <a:p>
+            <a:pPr algn="ctr"/>
+            <a:r>
+              <a:rPr lang="en-US" sz="1200" dirty="0" err="1"/>
+              <a:t>featureManager.IsEnabledAsync</a:t>
+            </a:r>
+            <a:endParaRPr lang="en-US" sz="1200" dirty="0"/>
+          </a:p>
+        </p:txBody>
+      </p:sp>
+      <p:sp>
+        <p:nvSpPr>
+          <p:cNvPr id="8" name="Right Brace 7">
+            <a:extLst>
+              <a:ext uri="{FF2B5EF4-FFF2-40B4-BE49-F238E27FC236}">
+                <a16:creationId xmlns:a16="http://schemas.microsoft.com/office/drawing/2014/main" id="{994D0A11-CE8E-40FC-B1E5-B7BA569AD6FB}"/>
+              </a:ext>
+            </a:extLst>
+          </p:cNvPr>
+          <p:cNvSpPr/>
+          <p:nvPr/>
+        </p:nvSpPr>
+        <p:spPr>
+          <a:xfrm rot="10800000">
+            <a:off x="8018281" y="275513"/>
+            <a:ext cx="643464" cy="4927254"/>
+          </a:xfrm>
+          <a:prstGeom prst="rightBrace">
+            <a:avLst>
+              <a:gd name="adj1" fmla="val 107017"/>
+              <a:gd name="adj2" fmla="val 45683"/>
+            </a:avLst>
+          </a:prstGeom>
+          <a:ln w="15875">
+            <a:solidFill>
+              <a:schemeClr val="bg2">
+                <a:lumMod val="10000"/>
+              </a:schemeClr>
+            </a:solidFill>
+          </a:ln>
+        </p:spPr>
+        <p:style>
+          <a:lnRef idx="1">
+            <a:schemeClr val="accent1"/>
+          </a:lnRef>
+          <a:fillRef idx="0">
+            <a:schemeClr val="accent1"/>
+          </a:fillRef>
+          <a:effectRef idx="0">
+            <a:schemeClr val="accent1"/>
+          </a:effectRef>
+          <a:fontRef idx="minor">
+            <a:schemeClr val="tx1"/>
+          </a:fontRef>
+        </p:style>
+        <p:txBody>
+          <a:bodyPr rtlCol="0" anchor="ctr"/>
+          <a:lstStyle/>
+          <a:p>
+            <a:pPr algn="ctr"/>
+            <a:endParaRPr lang="en-US" dirty="0"/>
+          </a:p>
+        </p:txBody>
+      </p:sp>
+      <p:sp>
+        <p:nvSpPr>
+          <p:cNvPr id="12" name="Rectangle 11">
+            <a:extLst>
+              <a:ext uri="{FF2B5EF4-FFF2-40B4-BE49-F238E27FC236}">
+                <a16:creationId xmlns:a16="http://schemas.microsoft.com/office/drawing/2014/main" id="{EAF7F86E-485D-43B2-A71B-998F21905615}"/>
+              </a:ext>
+            </a:extLst>
+          </p:cNvPr>
+          <p:cNvSpPr/>
+          <p:nvPr/>
+        </p:nvSpPr>
+        <p:spPr>
+          <a:xfrm>
+            <a:off x="4094326" y="1418946"/>
+            <a:ext cx="3445934" cy="955783"/>
+          </a:xfrm>
+          <a:prstGeom prst="rect">
+            <a:avLst/>
+          </a:prstGeom>
+        </p:spPr>
+        <p:style>
+          <a:lnRef idx="2">
+            <a:schemeClr val="accent1">
+              <a:shade val="50000"/>
+            </a:schemeClr>
+          </a:lnRef>
+          <a:fillRef idx="1">
+            <a:schemeClr val="accent1"/>
+          </a:fillRef>
+          <a:effectRef idx="0">
+            <a:schemeClr val="accent1"/>
+          </a:effectRef>
+          <a:fontRef idx="minor">
+            <a:schemeClr val="lt1"/>
+          </a:fontRef>
+        </p:style>
+        <p:txBody>
+          <a:bodyPr rtlCol="0" anchor="ctr"/>
+          <a:lstStyle/>
+          <a:p>
+            <a:pPr algn="ctr"/>
+            <a:r>
+              <a:rPr lang="en-US" dirty="0"/>
+              <a:t>_</a:t>
+            </a:r>
+            <a:r>
+              <a:rPr lang="en-US" dirty="0" err="1"/>
+              <a:t>configuration.GetReloadToken</a:t>
+            </a:r>
+            <a:r>
+              <a:rPr lang="en-US" dirty="0"/>
+              <a:t>()</a:t>
+            </a:r>
+          </a:p>
+        </p:txBody>
+      </p:sp>
+      <p:sp>
+        <p:nvSpPr>
+          <p:cNvPr id="25" name="TextBox 24">
+            <a:extLst>
+              <a:ext uri="{FF2B5EF4-FFF2-40B4-BE49-F238E27FC236}">
+                <a16:creationId xmlns:a16="http://schemas.microsoft.com/office/drawing/2014/main" id="{222C33F1-5B88-4D9C-ADE3-14652EE15DEF}"/>
+              </a:ext>
+            </a:extLst>
+          </p:cNvPr>
+          <p:cNvSpPr txBox="1"/>
+          <p:nvPr/>
+        </p:nvSpPr>
+        <p:spPr>
+          <a:xfrm>
+            <a:off x="4308165" y="3007269"/>
+            <a:ext cx="3032796" cy="369332"/>
+          </a:xfrm>
+          <a:prstGeom prst="rect">
+            <a:avLst/>
+          </a:prstGeom>
+          <a:noFill/>
+        </p:spPr>
+        <p:txBody>
+          <a:bodyPr wrap="square" rtlCol="0">
+            <a:spAutoFit/>
+          </a:bodyPr>
+          <a:lstStyle/>
+          <a:p>
+            <a:r>
+              <a:rPr lang="en-US" dirty="0"/>
+              <a:t>Reloads without App Restart</a:t>
+            </a:r>
+          </a:p>
+        </p:txBody>
+      </p:sp>
+      <p:sp>
+        <p:nvSpPr>
+          <p:cNvPr id="29" name="TextBox 28">
+            <a:extLst>
+              <a:ext uri="{FF2B5EF4-FFF2-40B4-BE49-F238E27FC236}">
+                <a16:creationId xmlns:a16="http://schemas.microsoft.com/office/drawing/2014/main" id="{DFB8ADE7-B789-40FB-BDC8-5E121B14DFB8}"/>
+              </a:ext>
+            </a:extLst>
+          </p:cNvPr>
+          <p:cNvSpPr txBox="1"/>
+          <p:nvPr/>
+        </p:nvSpPr>
+        <p:spPr>
+          <a:xfrm>
+            <a:off x="7172306" y="5757292"/>
+            <a:ext cx="1041052" cy="369332"/>
+          </a:xfrm>
+          <a:prstGeom prst="rect">
+            <a:avLst/>
+          </a:prstGeom>
+          <a:noFill/>
+        </p:spPr>
+        <p:txBody>
+          <a:bodyPr wrap="square" rtlCol="0">
+            <a:spAutoFit/>
+          </a:bodyPr>
+          <a:lstStyle/>
+          <a:p>
+            <a:r>
+              <a:rPr lang="en-US" dirty="0"/>
+              <a:t>Static</a:t>
+            </a:r>
+          </a:p>
+        </p:txBody>
+      </p:sp>
+      <p:sp>
+        <p:nvSpPr>
+          <p:cNvPr id="31" name="Right Brace 30">
+            <a:extLst>
+              <a:ext uri="{FF2B5EF4-FFF2-40B4-BE49-F238E27FC236}">
+                <a16:creationId xmlns:a16="http://schemas.microsoft.com/office/drawing/2014/main" id="{532E410A-2D12-4F68-A567-A2158B3AD6F8}"/>
+              </a:ext>
+            </a:extLst>
+          </p:cNvPr>
+          <p:cNvSpPr/>
+          <p:nvPr/>
+        </p:nvSpPr>
+        <p:spPr>
+          <a:xfrm rot="10800000">
+            <a:off x="8018281" y="5435599"/>
+            <a:ext cx="643464" cy="1100668"/>
+          </a:xfrm>
+          <a:prstGeom prst="rightBrace">
+            <a:avLst>
+              <a:gd name="adj1" fmla="val 107017"/>
+              <a:gd name="adj2" fmla="val 53759"/>
+            </a:avLst>
+          </a:prstGeom>
+          <a:ln w="15875">
+            <a:solidFill>
+              <a:schemeClr val="bg2">
+                <a:lumMod val="10000"/>
+              </a:schemeClr>
+            </a:solidFill>
+          </a:ln>
+        </p:spPr>
+        <p:style>
+          <a:lnRef idx="1">
+            <a:schemeClr val="accent1"/>
+          </a:lnRef>
+          <a:fillRef idx="0">
+            <a:schemeClr val="accent1"/>
+          </a:fillRef>
+          <a:effectRef idx="0">
+            <a:schemeClr val="accent1"/>
+          </a:effectRef>
+          <a:fontRef idx="minor">
+            <a:schemeClr val="tx1"/>
+          </a:fontRef>
+        </p:style>
+        <p:txBody>
+          <a:bodyPr rtlCol="0" anchor="ctr"/>
+          <a:lstStyle/>
+          <a:p>
+            <a:pPr algn="ctr"/>
+            <a:endParaRPr lang="en-US" dirty="0"/>
+          </a:p>
+        </p:txBody>
+      </p:sp>
+      <p:sp>
+        <p:nvSpPr>
+          <p:cNvPr id="38" name="Arrow: Right 37">
+            <a:extLst>
+              <a:ext uri="{FF2B5EF4-FFF2-40B4-BE49-F238E27FC236}">
+                <a16:creationId xmlns:a16="http://schemas.microsoft.com/office/drawing/2014/main" id="{8094EAC6-AA64-4C66-8D5B-B9CE47E98CC3}"/>
+              </a:ext>
+            </a:extLst>
+          </p:cNvPr>
+          <p:cNvSpPr/>
+          <p:nvPr/>
+        </p:nvSpPr>
+        <p:spPr>
+          <a:xfrm>
+            <a:off x="4360333" y="3505200"/>
+            <a:ext cx="2684283" cy="442847"/>
+          </a:xfrm>
+          <a:prstGeom prst="rightArrow">
+            <a:avLst/>
+          </a:prstGeom>
+        </p:spPr>
+        <p:style>
+          <a:lnRef idx="2">
+            <a:schemeClr val="accent1">
+              <a:shade val="50000"/>
+            </a:schemeClr>
+          </a:lnRef>
+          <a:fillRef idx="1">
+            <a:schemeClr val="accent1"/>
+          </a:fillRef>
+          <a:effectRef idx="0">
+            <a:schemeClr val="accent1"/>
+          </a:effectRef>
+          <a:fontRef idx="minor">
+            <a:schemeClr val="lt1"/>
+          </a:fontRef>
+        </p:style>
+        <p:txBody>
+          <a:bodyPr rtlCol="0" anchor="ctr"/>
+          <a:lstStyle/>
+          <a:p>
+            <a:pPr algn="ctr"/>
+            <a:endParaRPr lang="en-US"/>
+          </a:p>
+        </p:txBody>
+      </p:sp>
+      <p:sp>
+        <p:nvSpPr>
+          <p:cNvPr id="40" name="TextBox 39">
+            <a:extLst>
+              <a:ext uri="{FF2B5EF4-FFF2-40B4-BE49-F238E27FC236}">
+                <a16:creationId xmlns:a16="http://schemas.microsoft.com/office/drawing/2014/main" id="{2339F793-EE75-47F6-9D71-DCF035DD027E}"/>
+              </a:ext>
+            </a:extLst>
+          </p:cNvPr>
+          <p:cNvSpPr txBox="1"/>
+          <p:nvPr/>
+        </p:nvSpPr>
+        <p:spPr>
+          <a:xfrm>
+            <a:off x="4314278" y="5018101"/>
+            <a:ext cx="2684283" cy="369332"/>
+          </a:xfrm>
+          <a:prstGeom prst="rect">
+            <a:avLst/>
+          </a:prstGeom>
+          <a:noFill/>
+        </p:spPr>
+        <p:txBody>
+          <a:bodyPr wrap="square" rtlCol="0">
+            <a:spAutoFit/>
+          </a:bodyPr>
+          <a:lstStyle/>
+          <a:p>
+            <a:r>
+              <a:rPr lang="en-US" dirty="0"/>
+              <a:t>Require App Restart</a:t>
+            </a:r>
+          </a:p>
+        </p:txBody>
+      </p:sp>
+      <p:sp>
+        <p:nvSpPr>
+          <p:cNvPr id="42" name="Arrow: Right 41">
+            <a:extLst>
+              <a:ext uri="{FF2B5EF4-FFF2-40B4-BE49-F238E27FC236}">
+                <a16:creationId xmlns:a16="http://schemas.microsoft.com/office/drawing/2014/main" id="{CA57165D-38C0-4FEB-8061-3A0B07F0FE7B}"/>
+              </a:ext>
+            </a:extLst>
+          </p:cNvPr>
+          <p:cNvSpPr/>
+          <p:nvPr/>
+        </p:nvSpPr>
+        <p:spPr>
+          <a:xfrm>
+            <a:off x="4314279" y="5516032"/>
+            <a:ext cx="2684283" cy="442847"/>
+          </a:xfrm>
+          <a:prstGeom prst="rightArrow">
+            <a:avLst/>
+          </a:prstGeom>
+        </p:spPr>
+        <p:style>
+          <a:lnRef idx="2">
+            <a:schemeClr val="accent1">
+              <a:shade val="50000"/>
+            </a:schemeClr>
+          </a:lnRef>
+          <a:fillRef idx="1">
+            <a:schemeClr val="accent1"/>
+          </a:fillRef>
+          <a:effectRef idx="0">
+            <a:schemeClr val="accent1"/>
+          </a:effectRef>
+          <a:fontRef idx="minor">
+            <a:schemeClr val="lt1"/>
+          </a:fontRef>
+        </p:style>
+        <p:txBody>
+          <a:bodyPr rtlCol="0" anchor="ctr"/>
+          <a:lstStyle/>
+          <a:p>
+            <a:pPr algn="ctr"/>
+            <a:endParaRPr lang="en-US"/>
+          </a:p>
+        </p:txBody>
+      </p:sp>
+    </p:spTree>
+    <p:extLst>
+      <p:ext uri="{BB962C8B-B14F-4D97-AF65-F5344CB8AC3E}">
+        <p14:creationId xmlns:p14="http://schemas.microsoft.com/office/powerpoint/2010/main" val="2371035329"/>
+      </p:ext>
+    </p:extLst>
+  </p:cSld>
+  <p:clrMapOvr>
+    <a:masterClrMapping/>
+  </p:clrMapOvr>
+</p:sld>
+</file>
+
+<file path=ppt/slides/slide2.xml><?xml version="1.0" encoding="utf-8"?>
+<p:sld xmlns:a="http://schemas.openxmlformats.org/drawingml/2006/main" xmlns:r="http://schemas.openxmlformats.org/officeDocument/2006/relationships" xmlns:p="http://schemas.openxmlformats.org/presentationml/2006/main" showMasterSp="0">
   <p:cSld>
     <p:spTree>
       <p:nvGrpSpPr>
